--- a/cs701homework/WebContent/guitarifficweb/doc/guitariffic.pptx
+++ b/cs701homework/WebContent/guitarifficweb/doc/guitariffic.pptx
@@ -293,7 +293,7 @@
           <a:p>
             <a:fld id="{6BFECD78-3C8E-49F2-8FAB-59489D168ABB}" type="datetimeFigureOut">
               <a:rPr lang="en-US" smtClean="0"/>
-              <a:t>12/2/13</a:t>
+              <a:t>12/8/13</a:t>
             </a:fld>
             <a:endParaRPr lang="en-US"/>
           </a:p>
@@ -463,7 +463,7 @@
           <a:p>
             <a:fld id="{6BFECD78-3C8E-49F2-8FAB-59489D168ABB}" type="datetimeFigureOut">
               <a:rPr lang="en-US" smtClean="0"/>
-              <a:t>12/2/13</a:t>
+              <a:t>12/8/13</a:t>
             </a:fld>
             <a:endParaRPr lang="en-US"/>
           </a:p>
@@ -643,7 +643,7 @@
           <a:p>
             <a:fld id="{6BFECD78-3C8E-49F2-8FAB-59489D168ABB}" type="datetimeFigureOut">
               <a:rPr lang="en-US" smtClean="0"/>
-              <a:t>12/2/13</a:t>
+              <a:t>12/8/13</a:t>
             </a:fld>
             <a:endParaRPr lang="en-US"/>
           </a:p>
@@ -813,7 +813,7 @@
           <a:p>
             <a:fld id="{6BFECD78-3C8E-49F2-8FAB-59489D168ABB}" type="datetimeFigureOut">
               <a:rPr lang="en-US" smtClean="0"/>
-              <a:t>12/2/13</a:t>
+              <a:t>12/8/13</a:t>
             </a:fld>
             <a:endParaRPr lang="en-US"/>
           </a:p>
@@ -1059,7 +1059,7 @@
           <a:p>
             <a:fld id="{6BFECD78-3C8E-49F2-8FAB-59489D168ABB}" type="datetimeFigureOut">
               <a:rPr lang="en-US" smtClean="0"/>
-              <a:t>12/2/13</a:t>
+              <a:t>12/8/13</a:t>
             </a:fld>
             <a:endParaRPr lang="en-US"/>
           </a:p>
@@ -1347,7 +1347,7 @@
           <a:p>
             <a:fld id="{6BFECD78-3C8E-49F2-8FAB-59489D168ABB}" type="datetimeFigureOut">
               <a:rPr lang="en-US" smtClean="0"/>
-              <a:t>12/2/13</a:t>
+              <a:t>12/8/13</a:t>
             </a:fld>
             <a:endParaRPr lang="en-US"/>
           </a:p>
@@ -1769,7 +1769,7 @@
           <a:p>
             <a:fld id="{6BFECD78-3C8E-49F2-8FAB-59489D168ABB}" type="datetimeFigureOut">
               <a:rPr lang="en-US" smtClean="0"/>
-              <a:t>12/2/13</a:t>
+              <a:t>12/8/13</a:t>
             </a:fld>
             <a:endParaRPr lang="en-US"/>
           </a:p>
@@ -1887,7 +1887,7 @@
           <a:p>
             <a:fld id="{6BFECD78-3C8E-49F2-8FAB-59489D168ABB}" type="datetimeFigureOut">
               <a:rPr lang="en-US" smtClean="0"/>
-              <a:t>12/2/13</a:t>
+              <a:t>12/8/13</a:t>
             </a:fld>
             <a:endParaRPr lang="en-US"/>
           </a:p>
@@ -1982,7 +1982,7 @@
           <a:p>
             <a:fld id="{6BFECD78-3C8E-49F2-8FAB-59489D168ABB}" type="datetimeFigureOut">
               <a:rPr lang="en-US" smtClean="0"/>
-              <a:t>12/2/13</a:t>
+              <a:t>12/8/13</a:t>
             </a:fld>
             <a:endParaRPr lang="en-US"/>
           </a:p>
@@ -2259,7 +2259,7 @@
           <a:p>
             <a:fld id="{6BFECD78-3C8E-49F2-8FAB-59489D168ABB}" type="datetimeFigureOut">
               <a:rPr lang="en-US" smtClean="0"/>
-              <a:t>12/2/13</a:t>
+              <a:t>12/8/13</a:t>
             </a:fld>
             <a:endParaRPr lang="en-US"/>
           </a:p>
@@ -2516,7 +2516,7 @@
           <a:p>
             <a:fld id="{6BFECD78-3C8E-49F2-8FAB-59489D168ABB}" type="datetimeFigureOut">
               <a:rPr lang="en-US" smtClean="0"/>
-              <a:t>12/2/13</a:t>
+              <a:t>12/8/13</a:t>
             </a:fld>
             <a:endParaRPr lang="en-US"/>
           </a:p>
@@ -2729,7 +2729,7 @@
           <a:p>
             <a:fld id="{6BFECD78-3C8E-49F2-8FAB-59489D168ABB}" type="datetimeFigureOut">
               <a:rPr lang="en-US" smtClean="0"/>
-              <a:t>12/2/13</a:t>
+              <a:t>12/8/13</a:t>
             </a:fld>
             <a:endParaRPr lang="en-US"/>
           </a:p>
@@ -3272,13 +3272,47 @@
         <p:spPr/>
         <p:txBody>
           <a:bodyPr>
-            <a:normAutofit/>
+            <a:normAutofit fontScale="92500" lnSpcReduction="10000"/>
           </a:bodyPr>
           <a:lstStyle/>
           <a:p>
+            <a:pPr marL="0" indent="0">
+              <a:buNone/>
+            </a:pPr>
+            <a:r>
+              <a:rPr lang="en-US" dirty="0" err="1"/>
+              <a:t>Guitariffic</a:t>
+            </a:r>
+            <a:r>
+              <a:rPr lang="en-US" dirty="0"/>
+              <a:t> lets you build guitar fake sheets</a:t>
+            </a:r>
             <a:r>
               <a:rPr lang="en-US" dirty="0" smtClean="0"/>
-              <a:t>A fake sheet is a (paper) document that helps you play a song.  It contains:</a:t>
+              <a:t>.</a:t>
+            </a:r>
+          </a:p>
+          <a:p>
+            <a:pPr marL="0" indent="0">
+              <a:buNone/>
+            </a:pPr>
+            <a:endParaRPr lang="en-US" dirty="0">
+              <a:solidFill>
+                <a:srgbClr val="EB009B"/>
+              </a:solidFill>
+            </a:endParaRPr>
+          </a:p>
+          <a:p>
+            <a:pPr marL="0" indent="0">
+              <a:buNone/>
+            </a:pPr>
+            <a:r>
+              <a:rPr lang="en-US" dirty="0" smtClean="0"/>
+              <a:t>A </a:t>
+            </a:r>
+            <a:r>
+              <a:rPr lang="en-US" dirty="0" smtClean="0"/>
+              <a:t>fake sheet is a (paper) document that helps you play a song.  It contains:</a:t>
             </a:r>
           </a:p>
           <a:p>
@@ -3328,7 +3362,11 @@
             <a:pPr lvl="1"/>
             <a:r>
               <a:rPr lang="en-US" dirty="0" smtClean="0"/>
-              <a:t>Guitar charts</a:t>
+              <a:t>Guitar </a:t>
+            </a:r>
+            <a:r>
+              <a:rPr lang="en-US" dirty="0" smtClean="0"/>
+              <a:t>charts</a:t>
             </a:r>
           </a:p>
         </p:txBody>
@@ -3416,9 +3454,26 @@
           <a:bodyPr/>
           <a:lstStyle/>
           <a:p>
+            <a:pPr marL="0" indent="0">
+              <a:buNone/>
+            </a:pPr>
+            <a:r>
+              <a:rPr lang="en-US" dirty="0" err="1" smtClean="0"/>
+              <a:t>Guitariffic</a:t>
+            </a:r>
             <a:r>
               <a:rPr lang="en-US" dirty="0" smtClean="0"/>
-              <a:t>Ability to add, edit, and delete chord charts</a:t>
+              <a:t> gives you:</a:t>
+            </a:r>
+          </a:p>
+          <a:p>
+            <a:r>
+              <a:rPr lang="en-US" dirty="0" smtClean="0"/>
+              <a:t>Ability </a:t>
+            </a:r>
+            <a:r>
+              <a:rPr lang="en-US" dirty="0" smtClean="0"/>
+              <a:t>to add, edit, and delete chord charts</a:t>
             </a:r>
           </a:p>
           <a:p>
@@ -3509,12 +3564,35 @@
         </p:nvSpPr>
         <p:spPr/>
         <p:txBody>
-          <a:bodyPr/>
-          <a:lstStyle/>
-          <a:p>
+          <a:bodyPr>
+            <a:normAutofit lnSpcReduction="10000"/>
+          </a:bodyPr>
+          <a:lstStyle/>
+          <a:p>
+            <a:pPr marL="0" indent="0">
+              <a:buNone/>
+            </a:pPr>
             <a:r>
               <a:rPr lang="en-US" dirty="0" smtClean="0"/>
-              <a:t>Add/edit/delete song</a:t>
+              <a:t>In </a:t>
+            </a:r>
+            <a:r>
+              <a:rPr lang="en-US" dirty="0" err="1" smtClean="0"/>
+              <a:t>Guitariffic</a:t>
+            </a:r>
+            <a:r>
+              <a:rPr lang="en-US" dirty="0" smtClean="0"/>
+              <a:t>, you can:</a:t>
+            </a:r>
+          </a:p>
+          <a:p>
+            <a:r>
+              <a:rPr lang="en-US" dirty="0" smtClean="0"/>
+              <a:t>Add</a:t>
+            </a:r>
+            <a:r>
+              <a:rPr lang="en-US" dirty="0" smtClean="0"/>
+              <a:t>/edit/delete song</a:t>
             </a:r>
           </a:p>
           <a:p>
@@ -3641,22 +3719,72 @@
           <a:bodyPr/>
           <a:lstStyle/>
           <a:p>
+            <a:pPr marL="0" indent="0">
+              <a:buNone/>
+            </a:pPr>
             <a:r>
               <a:rPr lang="en-US" dirty="0" smtClean="0"/>
-              <a:t>When you enter an artist name, watch the application background</a:t>
-            </a:r>
-          </a:p>
-          <a:p>
+              <a:t>When you enter an artist name, watch the application </a:t>
+            </a:r>
             <a:r>
               <a:rPr lang="en-US" dirty="0" smtClean="0"/>
-              <a:t>Ability to reset database</a:t>
-            </a:r>
-          </a:p>
-          <a:p>
+              <a:t>background.</a:t>
+            </a:r>
+            <a:endParaRPr lang="en-US" dirty="0" smtClean="0"/>
+          </a:p>
+          <a:p>
+            <a:pPr marL="0" indent="0">
+              <a:buNone/>
+            </a:pPr>
             <a:r>
               <a:rPr lang="en-US" dirty="0" smtClean="0"/>
-              <a:t>Future: Ability to import/export chord database and song database</a:t>
-            </a:r>
+              <a:t>You also have the ability </a:t>
+            </a:r>
+            <a:r>
+              <a:rPr lang="en-US" dirty="0" smtClean="0"/>
+              <a:t>to reset </a:t>
+            </a:r>
+            <a:r>
+              <a:rPr lang="en-US" dirty="0" smtClean="0"/>
+              <a:t>database.</a:t>
+            </a:r>
+            <a:endParaRPr lang="en-US" dirty="0" smtClean="0"/>
+          </a:p>
+          <a:p>
+            <a:pPr marL="0" indent="0">
+              <a:buNone/>
+            </a:pPr>
+            <a:endParaRPr lang="en-US" dirty="0" smtClean="0"/>
+          </a:p>
+          <a:p>
+            <a:pPr marL="0" indent="0">
+              <a:buNone/>
+            </a:pPr>
+            <a:r>
+              <a:rPr lang="en-US" dirty="0" smtClean="0"/>
+              <a:t>Future</a:t>
+            </a:r>
+            <a:r>
+              <a:rPr lang="en-US" dirty="0" smtClean="0"/>
+              <a:t>: Ability to import/export chord database and song </a:t>
+            </a:r>
+            <a:r>
+              <a:rPr lang="en-US" dirty="0" smtClean="0"/>
+              <a:t>database, a better print </a:t>
+            </a:r>
+            <a:r>
+              <a:rPr lang="en-US" dirty="0" err="1" smtClean="0"/>
+              <a:t>stylesheet</a:t>
+            </a:r>
+            <a:r>
+              <a:rPr lang="en-US" dirty="0" smtClean="0"/>
+              <a:t>, and various </a:t>
+            </a:r>
+            <a:r>
+              <a:rPr lang="en-US" smtClean="0"/>
+              <a:t>other functionality.</a:t>
+            </a:r>
+            <a:endParaRPr lang="en-US" dirty="0" smtClean="0"/>
           </a:p>
         </p:txBody>
       </p:sp>
@@ -3711,7 +3839,15 @@
                   <a:srgbClr val="EB009B"/>
                 </a:solidFill>
               </a:rPr>
-              <a:t>Technical Details</a:t>
+              <a:t>Some Technical </a:t>
+            </a:r>
+            <a:r>
+              <a:rPr lang="en-US" dirty="0" smtClean="0">
+                <a:solidFill>
+                  <a:srgbClr val="EB009B"/>
+                </a:solidFill>
+              </a:rPr>
+              <a:t>Details</a:t>
             </a:r>
             <a:endParaRPr lang="en-US" dirty="0">
               <a:solidFill>
@@ -3733,62 +3869,136 @@
         </p:nvSpPr>
         <p:spPr/>
         <p:txBody>
-          <a:bodyPr/>
+          <a:bodyPr>
+            <a:normAutofit fontScale="77500" lnSpcReduction="20000"/>
+          </a:bodyPr>
           <a:lstStyle/>
           <a:p>
             <a:r>
               <a:rPr lang="en-US" dirty="0" smtClean="0"/>
-              <a:t>AJAX call to load XML file</a:t>
-            </a:r>
-          </a:p>
-          <a:p>
+              <a:t>HTML5</a:t>
+            </a:r>
+            <a:r>
+              <a:rPr lang="en-US" dirty="0"/>
+              <a:t>/CSS3 - For structure and styling.</a:t>
+            </a:r>
+          </a:p>
+          <a:p>
+            <a:r>
+              <a:rPr lang="en-US" dirty="0" err="1" smtClean="0"/>
+              <a:t>jQuery</a:t>
+            </a:r>
             <a:r>
               <a:rPr lang="en-US" dirty="0" smtClean="0"/>
-              <a:t>Local database is using </a:t>
-            </a:r>
+              <a:t> </a:t>
+            </a:r>
+            <a:r>
+              <a:rPr lang="en-US" dirty="0"/>
+              <a:t>- For all DOM interactions.</a:t>
+            </a:r>
+          </a:p>
+          <a:p>
+            <a:r>
+              <a:rPr lang="en-US" dirty="0" err="1" smtClean="0"/>
+              <a:t>jQuery</a:t>
+            </a:r>
+            <a:r>
+              <a:rPr lang="en-US" dirty="0" smtClean="0"/>
+              <a:t> </a:t>
+            </a:r>
+            <a:r>
+              <a:rPr lang="en-US" dirty="0"/>
+              <a:t>UI - For dialog and </a:t>
+            </a:r>
+            <a:r>
+              <a:rPr lang="en-US" dirty="0" err="1"/>
+              <a:t>drag&amp;drop</a:t>
+            </a:r>
+            <a:r>
+              <a:rPr lang="en-US" dirty="0"/>
+              <a:t> between lists in the chord area.</a:t>
+            </a:r>
+          </a:p>
+          <a:p>
+            <a:r>
+              <a:rPr lang="en-US" dirty="0" err="1" smtClean="0"/>
+              <a:t>Drag</a:t>
+            </a:r>
+            <a:r>
+              <a:rPr lang="en-US" dirty="0" err="1"/>
+              <a:t>&amp;Drop</a:t>
+            </a:r>
+            <a:r>
+              <a:rPr lang="en-US" dirty="0"/>
+              <a:t> - For </a:t>
+            </a:r>
+            <a:r>
+              <a:rPr lang="en-US" dirty="0" err="1"/>
+              <a:t>drag&amp;drop</a:t>
+            </a:r>
+            <a:r>
+              <a:rPr lang="en-US" dirty="0"/>
+              <a:t> from the chord tray to the chord area.</a:t>
+            </a:r>
+          </a:p>
+          <a:p>
+            <a:r>
+              <a:rPr lang="en-US" dirty="0" smtClean="0"/>
+              <a:t>AJAX</a:t>
+            </a:r>
+            <a:r>
+              <a:rPr lang="en-US" dirty="0"/>
+              <a:t>/XML - To load the initial chord list from an XML file</a:t>
+            </a:r>
+            <a:r>
+              <a:rPr lang="en-US" dirty="0" smtClean="0"/>
+              <a:t>.</a:t>
+            </a:r>
+          </a:p>
+          <a:p>
+            <a:r>
+              <a:rPr lang="en-US" dirty="0" smtClean="0"/>
+              <a:t>AJAX</a:t>
+            </a:r>
+            <a:r>
+              <a:rPr lang="en-US" dirty="0"/>
+              <a:t>/JSON - To communicate with </a:t>
+            </a:r>
+            <a:r>
+              <a:rPr lang="en-US" u="sng" dirty="0"/>
+              <a:t>Flickr.</a:t>
+            </a:r>
+          </a:p>
+          <a:p>
+            <a:r>
+              <a:rPr lang="en-US" dirty="0" smtClean="0"/>
+              <a:t>canvas </a:t>
+            </a:r>
+            <a:r>
+              <a:rPr lang="en-US" dirty="0"/>
+              <a:t>- Each chord chart is drawn by a generated canvas element. </a:t>
+            </a:r>
+          </a:p>
+          <a:p>
             <a:r>
               <a:rPr lang="en-US" dirty="0" err="1" smtClean="0"/>
               <a:t>indexedDB</a:t>
             </a:r>
-            <a:endParaRPr lang="en-US" dirty="0" smtClean="0"/>
-          </a:p>
-          <a:p>
-            <a:r>
-              <a:rPr lang="en-US" dirty="0" err="1" smtClean="0"/>
-              <a:t>jQuery</a:t>
-            </a:r>
             <a:r>
               <a:rPr lang="en-US" dirty="0" smtClean="0"/>
-              <a:t> is used extensively</a:t>
-            </a:r>
-          </a:p>
-          <a:p>
+              <a:t> </a:t>
+            </a:r>
+            <a:r>
+              <a:rPr lang="en-US" dirty="0"/>
+              <a:t>- For local storage of chords and </a:t>
+            </a:r>
             <a:r>
               <a:rPr lang="en-US" dirty="0" smtClean="0"/>
-              <a:t>Chord Chart area is a set of dynamically managed &lt;</a:t>
-            </a:r>
-            <a:r>
-              <a:rPr lang="en-US" dirty="0" err="1" smtClean="0"/>
-              <a:t>ol</a:t>
-            </a:r>
-            <a:r>
-              <a:rPr lang="en-US" dirty="0" smtClean="0"/>
-              <a:t>&gt;s  and uses the sortable </a:t>
-            </a:r>
-            <a:r>
-              <a:rPr lang="en-US" dirty="0" err="1" smtClean="0"/>
-              <a:t>jQuery</a:t>
-            </a:r>
-            <a:r>
-              <a:rPr lang="en-US" dirty="0" smtClean="0"/>
-              <a:t> functionality</a:t>
-            </a:r>
-          </a:p>
-          <a:p>
-            <a:r>
-              <a:rPr lang="en-US" dirty="0" smtClean="0"/>
-              <a:t>Text area is a dynamically managed table</a:t>
-            </a:r>
+              <a:t>songs in JSON format.</a:t>
+            </a:r>
+            <a:endParaRPr lang="en-US" dirty="0"/>
+          </a:p>
+          <a:p>
             <a:endParaRPr lang="en-US" dirty="0"/>
           </a:p>
         </p:txBody>
